--- a/ilmoittautumis näyttömalli.pptx
+++ b/ilmoittautumis näyttömalli.pptx
@@ -104,6 +104,11 @@
       </a:defRPr>
     </a:lvl9pPr>
   </p:defaultTextStyle>
+  <p:extLst>
+    <p:ext uri="{EFAFB233-063F-42B5-8137-9DF3F51BA10A}">
+      <p15:sldGuideLst xmlns:p15="http://schemas.microsoft.com/office/powerpoint/2012/main"/>
+    </p:ext>
+  </p:extLst>
 </p:presentation>
 </file>
 
@@ -238,7 +243,7 @@
           <a:p>
             <a:fld id="{5DF358D2-A34F-42AC-B3DF-B57AB9F9EF14}" type="datetimeFigureOut">
               <a:rPr lang="fi-FI" smtClean="0"/>
-              <a:t>16.2.2018</a:t>
+              <a:t>23.2.2018</a:t>
             </a:fld>
             <a:endParaRPr lang="fi-FI"/>
           </a:p>
@@ -408,7 +413,7 @@
           <a:p>
             <a:fld id="{5DF358D2-A34F-42AC-B3DF-B57AB9F9EF14}" type="datetimeFigureOut">
               <a:rPr lang="fi-FI" smtClean="0"/>
-              <a:t>16.2.2018</a:t>
+              <a:t>23.2.2018</a:t>
             </a:fld>
             <a:endParaRPr lang="fi-FI"/>
           </a:p>
@@ -588,7 +593,7 @@
           <a:p>
             <a:fld id="{5DF358D2-A34F-42AC-B3DF-B57AB9F9EF14}" type="datetimeFigureOut">
               <a:rPr lang="fi-FI" smtClean="0"/>
-              <a:t>16.2.2018</a:t>
+              <a:t>23.2.2018</a:t>
             </a:fld>
             <a:endParaRPr lang="fi-FI"/>
           </a:p>
@@ -758,7 +763,7 @@
           <a:p>
             <a:fld id="{5DF358D2-A34F-42AC-B3DF-B57AB9F9EF14}" type="datetimeFigureOut">
               <a:rPr lang="fi-FI" smtClean="0"/>
-              <a:t>16.2.2018</a:t>
+              <a:t>23.2.2018</a:t>
             </a:fld>
             <a:endParaRPr lang="fi-FI"/>
           </a:p>
@@ -1004,7 +1009,7 @@
           <a:p>
             <a:fld id="{5DF358D2-A34F-42AC-B3DF-B57AB9F9EF14}" type="datetimeFigureOut">
               <a:rPr lang="fi-FI" smtClean="0"/>
-              <a:t>16.2.2018</a:t>
+              <a:t>23.2.2018</a:t>
             </a:fld>
             <a:endParaRPr lang="fi-FI"/>
           </a:p>
@@ -1236,7 +1241,7 @@
           <a:p>
             <a:fld id="{5DF358D2-A34F-42AC-B3DF-B57AB9F9EF14}" type="datetimeFigureOut">
               <a:rPr lang="fi-FI" smtClean="0"/>
-              <a:t>16.2.2018</a:t>
+              <a:t>23.2.2018</a:t>
             </a:fld>
             <a:endParaRPr lang="fi-FI"/>
           </a:p>
@@ -1603,7 +1608,7 @@
           <a:p>
             <a:fld id="{5DF358D2-A34F-42AC-B3DF-B57AB9F9EF14}" type="datetimeFigureOut">
               <a:rPr lang="fi-FI" smtClean="0"/>
-              <a:t>16.2.2018</a:t>
+              <a:t>23.2.2018</a:t>
             </a:fld>
             <a:endParaRPr lang="fi-FI"/>
           </a:p>
@@ -1721,7 +1726,7 @@
           <a:p>
             <a:fld id="{5DF358D2-A34F-42AC-B3DF-B57AB9F9EF14}" type="datetimeFigureOut">
               <a:rPr lang="fi-FI" smtClean="0"/>
-              <a:t>16.2.2018</a:t>
+              <a:t>23.2.2018</a:t>
             </a:fld>
             <a:endParaRPr lang="fi-FI"/>
           </a:p>
@@ -1816,7 +1821,7 @@
           <a:p>
             <a:fld id="{5DF358D2-A34F-42AC-B3DF-B57AB9F9EF14}" type="datetimeFigureOut">
               <a:rPr lang="fi-FI" smtClean="0"/>
-              <a:t>16.2.2018</a:t>
+              <a:t>23.2.2018</a:t>
             </a:fld>
             <a:endParaRPr lang="fi-FI"/>
           </a:p>
@@ -2093,7 +2098,7 @@
           <a:p>
             <a:fld id="{5DF358D2-A34F-42AC-B3DF-B57AB9F9EF14}" type="datetimeFigureOut">
               <a:rPr lang="fi-FI" smtClean="0"/>
-              <a:t>16.2.2018</a:t>
+              <a:t>23.2.2018</a:t>
             </a:fld>
             <a:endParaRPr lang="fi-FI"/>
           </a:p>
@@ -2346,7 +2351,7 @@
           <a:p>
             <a:fld id="{5DF358D2-A34F-42AC-B3DF-B57AB9F9EF14}" type="datetimeFigureOut">
               <a:rPr lang="fi-FI" smtClean="0"/>
-              <a:t>16.2.2018</a:t>
+              <a:t>23.2.2018</a:t>
             </a:fld>
             <a:endParaRPr lang="fi-FI"/>
           </a:p>
@@ -2559,7 +2564,7 @@
           <a:p>
             <a:fld id="{5DF358D2-A34F-42AC-B3DF-B57AB9F9EF14}" type="datetimeFigureOut">
               <a:rPr lang="fi-FI" smtClean="0"/>
-              <a:t>16.2.2018</a:t>
+              <a:t>23.2.2018</a:t>
             </a:fld>
             <a:endParaRPr lang="fi-FI"/>
           </a:p>
@@ -2998,7 +3003,11 @@
           <a:lstStyle/>
           <a:p>
             <a:pPr algn="ctr"/>
-            <a:endParaRPr lang="fi-FI"/>
+            <a:r>
+              <a:rPr lang="fi-FI" dirty="0" smtClean="0"/>
+              <a:t>Pöytäpaikan varaaminen</a:t>
+            </a:r>
+            <a:endParaRPr lang="fi-FI" dirty="0"/>
           </a:p>
         </p:txBody>
       </p:sp>
@@ -3380,7 +3389,7 @@
         </p:nvSpPr>
         <p:spPr>
           <a:xfrm>
-            <a:off x="3322107" y="4699217"/>
+            <a:off x="3365609" y="5671530"/>
             <a:ext cx="1755046" cy="354000"/>
           </a:xfrm>
           <a:prstGeom prst="rect">
@@ -3411,6 +3420,1967 @@
               <a:t>Ilmoittaudu</a:t>
             </a:r>
             <a:endParaRPr lang="fi-FI" dirty="0"/>
+          </a:p>
+        </p:txBody>
+      </p:sp>
+      <p:sp>
+        <p:nvSpPr>
+          <p:cNvPr id="2" name="Rectangle 1"/>
+          <p:cNvSpPr/>
+          <p:nvPr/>
+        </p:nvSpPr>
+        <p:spPr>
+          <a:xfrm>
+            <a:off x="1783897" y="3826019"/>
+            <a:ext cx="5054138" cy="1545150"/>
+          </a:xfrm>
+          <a:prstGeom prst="rect">
+            <a:avLst/>
+          </a:prstGeom>
+        </p:spPr>
+        <p:style>
+          <a:lnRef idx="2">
+            <a:schemeClr val="accent6"/>
+          </a:lnRef>
+          <a:fillRef idx="1">
+            <a:schemeClr val="lt1"/>
+          </a:fillRef>
+          <a:effectRef idx="0">
+            <a:schemeClr val="accent6"/>
+          </a:effectRef>
+          <a:fontRef idx="minor">
+            <a:schemeClr val="dk1"/>
+          </a:fontRef>
+        </p:style>
+        <p:txBody>
+          <a:bodyPr rtlCol="0" anchor="ctr"/>
+          <a:lstStyle/>
+          <a:p>
+            <a:pPr algn="ctr"/>
+            <a:endParaRPr lang="fi-FI"/>
+          </a:p>
+        </p:txBody>
+      </p:sp>
+      <p:sp>
+        <p:nvSpPr>
+          <p:cNvPr id="3" name="Rectangle 2"/>
+          <p:cNvSpPr/>
+          <p:nvPr/>
+        </p:nvSpPr>
+        <p:spPr>
+          <a:xfrm>
+            <a:off x="2114696" y="4082794"/>
+            <a:ext cx="288989" cy="149629"/>
+          </a:xfrm>
+          <a:prstGeom prst="rect">
+            <a:avLst/>
+          </a:prstGeom>
+          <a:solidFill>
+            <a:schemeClr val="accent6"/>
+          </a:solidFill>
+        </p:spPr>
+        <p:style>
+          <a:lnRef idx="2">
+            <a:schemeClr val="accent1">
+              <a:shade val="50000"/>
+            </a:schemeClr>
+          </a:lnRef>
+          <a:fillRef idx="1">
+            <a:schemeClr val="accent1"/>
+          </a:fillRef>
+          <a:effectRef idx="0">
+            <a:schemeClr val="accent1"/>
+          </a:effectRef>
+          <a:fontRef idx="minor">
+            <a:schemeClr val="lt1"/>
+          </a:fontRef>
+        </p:style>
+        <p:txBody>
+          <a:bodyPr rtlCol="0" anchor="ctr"/>
+          <a:lstStyle/>
+          <a:p>
+            <a:pPr algn="ctr"/>
+            <a:endParaRPr lang="fi-FI"/>
+          </a:p>
+        </p:txBody>
+      </p:sp>
+      <p:sp>
+        <p:nvSpPr>
+          <p:cNvPr id="17" name="Rectangle 16"/>
+          <p:cNvSpPr/>
+          <p:nvPr/>
+        </p:nvSpPr>
+        <p:spPr>
+          <a:xfrm>
+            <a:off x="2458151" y="4082793"/>
+            <a:ext cx="288989" cy="149629"/>
+          </a:xfrm>
+          <a:prstGeom prst="rect">
+            <a:avLst/>
+          </a:prstGeom>
+        </p:spPr>
+        <p:style>
+          <a:lnRef idx="2">
+            <a:schemeClr val="accent1">
+              <a:shade val="50000"/>
+            </a:schemeClr>
+          </a:lnRef>
+          <a:fillRef idx="1">
+            <a:schemeClr val="accent1"/>
+          </a:fillRef>
+          <a:effectRef idx="0">
+            <a:schemeClr val="accent1"/>
+          </a:effectRef>
+          <a:fontRef idx="minor">
+            <a:schemeClr val="lt1"/>
+          </a:fontRef>
+        </p:style>
+        <p:txBody>
+          <a:bodyPr rtlCol="0" anchor="ctr"/>
+          <a:lstStyle/>
+          <a:p>
+            <a:pPr algn="ctr"/>
+            <a:endParaRPr lang="fi-FI"/>
+          </a:p>
+        </p:txBody>
+      </p:sp>
+      <p:sp>
+        <p:nvSpPr>
+          <p:cNvPr id="18" name="Rectangle 17"/>
+          <p:cNvSpPr/>
+          <p:nvPr/>
+        </p:nvSpPr>
+        <p:spPr>
+          <a:xfrm>
+            <a:off x="2799879" y="4077279"/>
+            <a:ext cx="288989" cy="149629"/>
+          </a:xfrm>
+          <a:prstGeom prst="rect">
+            <a:avLst/>
+          </a:prstGeom>
+        </p:spPr>
+        <p:style>
+          <a:lnRef idx="2">
+            <a:schemeClr val="accent1">
+              <a:shade val="50000"/>
+            </a:schemeClr>
+          </a:lnRef>
+          <a:fillRef idx="1">
+            <a:schemeClr val="accent1"/>
+          </a:fillRef>
+          <a:effectRef idx="0">
+            <a:schemeClr val="accent1"/>
+          </a:effectRef>
+          <a:fontRef idx="minor">
+            <a:schemeClr val="lt1"/>
+          </a:fontRef>
+        </p:style>
+        <p:txBody>
+          <a:bodyPr rtlCol="0" anchor="ctr"/>
+          <a:lstStyle/>
+          <a:p>
+            <a:pPr algn="ctr"/>
+            <a:endParaRPr lang="fi-FI"/>
+          </a:p>
+        </p:txBody>
+      </p:sp>
+      <p:sp>
+        <p:nvSpPr>
+          <p:cNvPr id="19" name="Rectangle 18"/>
+          <p:cNvSpPr/>
+          <p:nvPr/>
+        </p:nvSpPr>
+        <p:spPr>
+          <a:xfrm>
+            <a:off x="3147937" y="4082744"/>
+            <a:ext cx="288989" cy="149629"/>
+          </a:xfrm>
+          <a:prstGeom prst="rect">
+            <a:avLst/>
+          </a:prstGeom>
+        </p:spPr>
+        <p:style>
+          <a:lnRef idx="2">
+            <a:schemeClr val="accent1">
+              <a:shade val="50000"/>
+            </a:schemeClr>
+          </a:lnRef>
+          <a:fillRef idx="1">
+            <a:schemeClr val="accent1"/>
+          </a:fillRef>
+          <a:effectRef idx="0">
+            <a:schemeClr val="accent1"/>
+          </a:effectRef>
+          <a:fontRef idx="minor">
+            <a:schemeClr val="lt1"/>
+          </a:fontRef>
+        </p:style>
+        <p:txBody>
+          <a:bodyPr rtlCol="0" anchor="ctr"/>
+          <a:lstStyle/>
+          <a:p>
+            <a:pPr algn="ctr"/>
+            <a:endParaRPr lang="fi-FI"/>
+          </a:p>
+        </p:txBody>
+      </p:sp>
+      <p:sp>
+        <p:nvSpPr>
+          <p:cNvPr id="20" name="Rectangle 19"/>
+          <p:cNvSpPr/>
+          <p:nvPr/>
+        </p:nvSpPr>
+        <p:spPr>
+          <a:xfrm>
+            <a:off x="3501754" y="4082744"/>
+            <a:ext cx="288989" cy="149629"/>
+          </a:xfrm>
+          <a:prstGeom prst="rect">
+            <a:avLst/>
+          </a:prstGeom>
+        </p:spPr>
+        <p:style>
+          <a:lnRef idx="2">
+            <a:schemeClr val="accent1">
+              <a:shade val="50000"/>
+            </a:schemeClr>
+          </a:lnRef>
+          <a:fillRef idx="1">
+            <a:schemeClr val="accent1"/>
+          </a:fillRef>
+          <a:effectRef idx="0">
+            <a:schemeClr val="accent1"/>
+          </a:effectRef>
+          <a:fontRef idx="minor">
+            <a:schemeClr val="lt1"/>
+          </a:fontRef>
+        </p:style>
+        <p:txBody>
+          <a:bodyPr rtlCol="0" anchor="ctr"/>
+          <a:lstStyle/>
+          <a:p>
+            <a:pPr algn="ctr"/>
+            <a:endParaRPr lang="fi-FI"/>
+          </a:p>
+        </p:txBody>
+      </p:sp>
+      <p:sp>
+        <p:nvSpPr>
+          <p:cNvPr id="21" name="Rectangle 20"/>
+          <p:cNvSpPr/>
+          <p:nvPr/>
+        </p:nvSpPr>
+        <p:spPr>
+          <a:xfrm>
+            <a:off x="3837723" y="4092431"/>
+            <a:ext cx="288989" cy="149629"/>
+          </a:xfrm>
+          <a:prstGeom prst="rect">
+            <a:avLst/>
+          </a:prstGeom>
+        </p:spPr>
+        <p:style>
+          <a:lnRef idx="2">
+            <a:schemeClr val="accent1">
+              <a:shade val="50000"/>
+            </a:schemeClr>
+          </a:lnRef>
+          <a:fillRef idx="1">
+            <a:schemeClr val="accent1"/>
+          </a:fillRef>
+          <a:effectRef idx="0">
+            <a:schemeClr val="accent1"/>
+          </a:effectRef>
+          <a:fontRef idx="minor">
+            <a:schemeClr val="lt1"/>
+          </a:fontRef>
+        </p:style>
+        <p:txBody>
+          <a:bodyPr rtlCol="0" anchor="ctr"/>
+          <a:lstStyle/>
+          <a:p>
+            <a:pPr algn="ctr"/>
+            <a:endParaRPr lang="fi-FI"/>
+          </a:p>
+        </p:txBody>
+      </p:sp>
+      <p:sp>
+        <p:nvSpPr>
+          <p:cNvPr id="22" name="Rectangle 21"/>
+          <p:cNvSpPr/>
+          <p:nvPr/>
+        </p:nvSpPr>
+        <p:spPr>
+          <a:xfrm>
+            <a:off x="3837723" y="4332819"/>
+            <a:ext cx="288989" cy="149629"/>
+          </a:xfrm>
+          <a:prstGeom prst="rect">
+            <a:avLst/>
+          </a:prstGeom>
+        </p:spPr>
+        <p:style>
+          <a:lnRef idx="2">
+            <a:schemeClr val="accent1">
+              <a:shade val="50000"/>
+            </a:schemeClr>
+          </a:lnRef>
+          <a:fillRef idx="1">
+            <a:schemeClr val="accent1"/>
+          </a:fillRef>
+          <a:effectRef idx="0">
+            <a:schemeClr val="accent1"/>
+          </a:effectRef>
+          <a:fontRef idx="minor">
+            <a:schemeClr val="lt1"/>
+          </a:fontRef>
+        </p:style>
+        <p:txBody>
+          <a:bodyPr rtlCol="0" anchor="ctr"/>
+          <a:lstStyle/>
+          <a:p>
+            <a:pPr algn="ctr"/>
+            <a:endParaRPr lang="fi-FI"/>
+          </a:p>
+        </p:txBody>
+      </p:sp>
+      <p:sp>
+        <p:nvSpPr>
+          <p:cNvPr id="23" name="Rectangle 22"/>
+          <p:cNvSpPr/>
+          <p:nvPr/>
+        </p:nvSpPr>
+        <p:spPr>
+          <a:xfrm>
+            <a:off x="2108140" y="4342338"/>
+            <a:ext cx="288989" cy="149629"/>
+          </a:xfrm>
+          <a:prstGeom prst="rect">
+            <a:avLst/>
+          </a:prstGeom>
+        </p:spPr>
+        <p:style>
+          <a:lnRef idx="2">
+            <a:schemeClr val="accent1">
+              <a:shade val="50000"/>
+            </a:schemeClr>
+          </a:lnRef>
+          <a:fillRef idx="1">
+            <a:schemeClr val="accent1"/>
+          </a:fillRef>
+          <a:effectRef idx="0">
+            <a:schemeClr val="accent1"/>
+          </a:effectRef>
+          <a:fontRef idx="minor">
+            <a:schemeClr val="lt1"/>
+          </a:fontRef>
+        </p:style>
+        <p:txBody>
+          <a:bodyPr rtlCol="0" anchor="ctr"/>
+          <a:lstStyle/>
+          <a:p>
+            <a:pPr algn="ctr"/>
+            <a:endParaRPr lang="fi-FI"/>
+          </a:p>
+        </p:txBody>
+      </p:sp>
+      <p:sp>
+        <p:nvSpPr>
+          <p:cNvPr id="24" name="Rectangle 23"/>
+          <p:cNvSpPr/>
+          <p:nvPr/>
+        </p:nvSpPr>
+        <p:spPr>
+          <a:xfrm>
+            <a:off x="2458150" y="4332820"/>
+            <a:ext cx="288989" cy="149629"/>
+          </a:xfrm>
+          <a:prstGeom prst="rect">
+            <a:avLst/>
+          </a:prstGeom>
+        </p:spPr>
+        <p:style>
+          <a:lnRef idx="2">
+            <a:schemeClr val="accent1">
+              <a:shade val="50000"/>
+            </a:schemeClr>
+          </a:lnRef>
+          <a:fillRef idx="1">
+            <a:schemeClr val="accent1"/>
+          </a:fillRef>
+          <a:effectRef idx="0">
+            <a:schemeClr val="accent1"/>
+          </a:effectRef>
+          <a:fontRef idx="minor">
+            <a:schemeClr val="lt1"/>
+          </a:fontRef>
+        </p:style>
+        <p:txBody>
+          <a:bodyPr rtlCol="0" anchor="ctr"/>
+          <a:lstStyle/>
+          <a:p>
+            <a:pPr algn="ctr"/>
+            <a:endParaRPr lang="fi-FI"/>
+          </a:p>
+        </p:txBody>
+      </p:sp>
+      <p:sp>
+        <p:nvSpPr>
+          <p:cNvPr id="25" name="Rectangle 24"/>
+          <p:cNvSpPr/>
+          <p:nvPr/>
+        </p:nvSpPr>
+        <p:spPr>
+          <a:xfrm>
+            <a:off x="2788608" y="4332820"/>
+            <a:ext cx="288989" cy="149629"/>
+          </a:xfrm>
+          <a:prstGeom prst="rect">
+            <a:avLst/>
+          </a:prstGeom>
+        </p:spPr>
+        <p:style>
+          <a:lnRef idx="2">
+            <a:schemeClr val="accent1">
+              <a:shade val="50000"/>
+            </a:schemeClr>
+          </a:lnRef>
+          <a:fillRef idx="1">
+            <a:schemeClr val="accent1"/>
+          </a:fillRef>
+          <a:effectRef idx="0">
+            <a:schemeClr val="accent1"/>
+          </a:effectRef>
+          <a:fontRef idx="minor">
+            <a:schemeClr val="lt1"/>
+          </a:fontRef>
+        </p:style>
+        <p:txBody>
+          <a:bodyPr rtlCol="0" anchor="ctr"/>
+          <a:lstStyle/>
+          <a:p>
+            <a:pPr algn="ctr"/>
+            <a:endParaRPr lang="fi-FI"/>
+          </a:p>
+        </p:txBody>
+      </p:sp>
+      <p:sp>
+        <p:nvSpPr>
+          <p:cNvPr id="26" name="Rectangle 25"/>
+          <p:cNvSpPr/>
+          <p:nvPr/>
+        </p:nvSpPr>
+        <p:spPr>
+          <a:xfrm>
+            <a:off x="3145181" y="4332820"/>
+            <a:ext cx="288989" cy="149629"/>
+          </a:xfrm>
+          <a:prstGeom prst="rect">
+            <a:avLst/>
+          </a:prstGeom>
+        </p:spPr>
+        <p:style>
+          <a:lnRef idx="2">
+            <a:schemeClr val="accent1">
+              <a:shade val="50000"/>
+            </a:schemeClr>
+          </a:lnRef>
+          <a:fillRef idx="1">
+            <a:schemeClr val="accent1"/>
+          </a:fillRef>
+          <a:effectRef idx="0">
+            <a:schemeClr val="accent1"/>
+          </a:effectRef>
+          <a:fontRef idx="minor">
+            <a:schemeClr val="lt1"/>
+          </a:fontRef>
+        </p:style>
+        <p:txBody>
+          <a:bodyPr rtlCol="0" anchor="ctr"/>
+          <a:lstStyle/>
+          <a:p>
+            <a:pPr algn="ctr"/>
+            <a:endParaRPr lang="fi-FI"/>
+          </a:p>
+        </p:txBody>
+      </p:sp>
+      <p:sp>
+        <p:nvSpPr>
+          <p:cNvPr id="27" name="Rectangle 26"/>
+          <p:cNvSpPr/>
+          <p:nvPr/>
+        </p:nvSpPr>
+        <p:spPr>
+          <a:xfrm>
+            <a:off x="3501754" y="4332820"/>
+            <a:ext cx="288989" cy="149629"/>
+          </a:xfrm>
+          <a:prstGeom prst="rect">
+            <a:avLst/>
+          </a:prstGeom>
+        </p:spPr>
+        <p:style>
+          <a:lnRef idx="2">
+            <a:schemeClr val="accent1">
+              <a:shade val="50000"/>
+            </a:schemeClr>
+          </a:lnRef>
+          <a:fillRef idx="1">
+            <a:schemeClr val="accent1"/>
+          </a:fillRef>
+          <a:effectRef idx="0">
+            <a:schemeClr val="accent1"/>
+          </a:effectRef>
+          <a:fontRef idx="minor">
+            <a:schemeClr val="lt1"/>
+          </a:fontRef>
+        </p:style>
+        <p:txBody>
+          <a:bodyPr rtlCol="0" anchor="ctr"/>
+          <a:lstStyle/>
+          <a:p>
+            <a:pPr algn="ctr"/>
+            <a:endParaRPr lang="fi-FI"/>
+          </a:p>
+        </p:txBody>
+      </p:sp>
+      <p:sp>
+        <p:nvSpPr>
+          <p:cNvPr id="28" name="Rectangle 27"/>
+          <p:cNvSpPr/>
+          <p:nvPr/>
+        </p:nvSpPr>
+        <p:spPr>
+          <a:xfrm>
+            <a:off x="2114696" y="4645710"/>
+            <a:ext cx="288989" cy="149629"/>
+          </a:xfrm>
+          <a:prstGeom prst="rect">
+            <a:avLst/>
+          </a:prstGeom>
+        </p:spPr>
+        <p:style>
+          <a:lnRef idx="2">
+            <a:schemeClr val="accent1">
+              <a:shade val="50000"/>
+            </a:schemeClr>
+          </a:lnRef>
+          <a:fillRef idx="1">
+            <a:schemeClr val="accent1"/>
+          </a:fillRef>
+          <a:effectRef idx="0">
+            <a:schemeClr val="accent1"/>
+          </a:effectRef>
+          <a:fontRef idx="minor">
+            <a:schemeClr val="lt1"/>
+          </a:fontRef>
+        </p:style>
+        <p:txBody>
+          <a:bodyPr rtlCol="0" anchor="ctr"/>
+          <a:lstStyle/>
+          <a:p>
+            <a:pPr algn="ctr"/>
+            <a:endParaRPr lang="fi-FI"/>
+          </a:p>
+        </p:txBody>
+      </p:sp>
+      <p:sp>
+        <p:nvSpPr>
+          <p:cNvPr id="29" name="Rectangle 28"/>
+          <p:cNvSpPr/>
+          <p:nvPr/>
+        </p:nvSpPr>
+        <p:spPr>
+          <a:xfrm>
+            <a:off x="2458151" y="4645709"/>
+            <a:ext cx="288989" cy="149629"/>
+          </a:xfrm>
+          <a:prstGeom prst="rect">
+            <a:avLst/>
+          </a:prstGeom>
+        </p:spPr>
+        <p:style>
+          <a:lnRef idx="2">
+            <a:schemeClr val="accent1">
+              <a:shade val="50000"/>
+            </a:schemeClr>
+          </a:lnRef>
+          <a:fillRef idx="1">
+            <a:schemeClr val="accent1"/>
+          </a:fillRef>
+          <a:effectRef idx="0">
+            <a:schemeClr val="accent1"/>
+          </a:effectRef>
+          <a:fontRef idx="minor">
+            <a:schemeClr val="lt1"/>
+          </a:fontRef>
+        </p:style>
+        <p:txBody>
+          <a:bodyPr rtlCol="0" anchor="ctr"/>
+          <a:lstStyle/>
+          <a:p>
+            <a:pPr algn="ctr"/>
+            <a:endParaRPr lang="fi-FI"/>
+          </a:p>
+        </p:txBody>
+      </p:sp>
+      <p:sp>
+        <p:nvSpPr>
+          <p:cNvPr id="30" name="Rectangle 29"/>
+          <p:cNvSpPr/>
+          <p:nvPr/>
+        </p:nvSpPr>
+        <p:spPr>
+          <a:xfrm>
+            <a:off x="2799879" y="4640195"/>
+            <a:ext cx="288989" cy="149629"/>
+          </a:xfrm>
+          <a:prstGeom prst="rect">
+            <a:avLst/>
+          </a:prstGeom>
+        </p:spPr>
+        <p:style>
+          <a:lnRef idx="2">
+            <a:schemeClr val="accent1">
+              <a:shade val="50000"/>
+            </a:schemeClr>
+          </a:lnRef>
+          <a:fillRef idx="1">
+            <a:schemeClr val="accent1"/>
+          </a:fillRef>
+          <a:effectRef idx="0">
+            <a:schemeClr val="accent1"/>
+          </a:effectRef>
+          <a:fontRef idx="minor">
+            <a:schemeClr val="lt1"/>
+          </a:fontRef>
+        </p:style>
+        <p:txBody>
+          <a:bodyPr rtlCol="0" anchor="ctr"/>
+          <a:lstStyle/>
+          <a:p>
+            <a:pPr algn="ctr"/>
+            <a:endParaRPr lang="fi-FI"/>
+          </a:p>
+        </p:txBody>
+      </p:sp>
+      <p:sp>
+        <p:nvSpPr>
+          <p:cNvPr id="31" name="Rectangle 30"/>
+          <p:cNvSpPr/>
+          <p:nvPr/>
+        </p:nvSpPr>
+        <p:spPr>
+          <a:xfrm>
+            <a:off x="3147937" y="4645660"/>
+            <a:ext cx="288989" cy="149629"/>
+          </a:xfrm>
+          <a:prstGeom prst="rect">
+            <a:avLst/>
+          </a:prstGeom>
+        </p:spPr>
+        <p:style>
+          <a:lnRef idx="2">
+            <a:schemeClr val="accent1">
+              <a:shade val="50000"/>
+            </a:schemeClr>
+          </a:lnRef>
+          <a:fillRef idx="1">
+            <a:schemeClr val="accent1"/>
+          </a:fillRef>
+          <a:effectRef idx="0">
+            <a:schemeClr val="accent1"/>
+          </a:effectRef>
+          <a:fontRef idx="minor">
+            <a:schemeClr val="lt1"/>
+          </a:fontRef>
+        </p:style>
+        <p:txBody>
+          <a:bodyPr rtlCol="0" anchor="ctr"/>
+          <a:lstStyle/>
+          <a:p>
+            <a:pPr algn="ctr"/>
+            <a:endParaRPr lang="fi-FI"/>
+          </a:p>
+        </p:txBody>
+      </p:sp>
+      <p:sp>
+        <p:nvSpPr>
+          <p:cNvPr id="32" name="Rectangle 31"/>
+          <p:cNvSpPr/>
+          <p:nvPr/>
+        </p:nvSpPr>
+        <p:spPr>
+          <a:xfrm>
+            <a:off x="3501754" y="4645660"/>
+            <a:ext cx="288989" cy="149629"/>
+          </a:xfrm>
+          <a:prstGeom prst="rect">
+            <a:avLst/>
+          </a:prstGeom>
+        </p:spPr>
+        <p:style>
+          <a:lnRef idx="2">
+            <a:schemeClr val="accent1">
+              <a:shade val="50000"/>
+            </a:schemeClr>
+          </a:lnRef>
+          <a:fillRef idx="1">
+            <a:schemeClr val="accent1"/>
+          </a:fillRef>
+          <a:effectRef idx="0">
+            <a:schemeClr val="accent1"/>
+          </a:effectRef>
+          <a:fontRef idx="minor">
+            <a:schemeClr val="lt1"/>
+          </a:fontRef>
+        </p:style>
+        <p:txBody>
+          <a:bodyPr rtlCol="0" anchor="ctr"/>
+          <a:lstStyle/>
+          <a:p>
+            <a:pPr algn="ctr"/>
+            <a:endParaRPr lang="fi-FI"/>
+          </a:p>
+        </p:txBody>
+      </p:sp>
+      <p:sp>
+        <p:nvSpPr>
+          <p:cNvPr id="33" name="Rectangle 32"/>
+          <p:cNvSpPr/>
+          <p:nvPr/>
+        </p:nvSpPr>
+        <p:spPr>
+          <a:xfrm>
+            <a:off x="3837723" y="4655347"/>
+            <a:ext cx="288989" cy="149629"/>
+          </a:xfrm>
+          <a:prstGeom prst="rect">
+            <a:avLst/>
+          </a:prstGeom>
+        </p:spPr>
+        <p:style>
+          <a:lnRef idx="2">
+            <a:schemeClr val="accent1">
+              <a:shade val="50000"/>
+            </a:schemeClr>
+          </a:lnRef>
+          <a:fillRef idx="1">
+            <a:schemeClr val="accent1"/>
+          </a:fillRef>
+          <a:effectRef idx="0">
+            <a:schemeClr val="accent1"/>
+          </a:effectRef>
+          <a:fontRef idx="minor">
+            <a:schemeClr val="lt1"/>
+          </a:fontRef>
+        </p:style>
+        <p:txBody>
+          <a:bodyPr rtlCol="0" anchor="ctr"/>
+          <a:lstStyle/>
+          <a:p>
+            <a:pPr algn="ctr"/>
+            <a:endParaRPr lang="fi-FI"/>
+          </a:p>
+        </p:txBody>
+      </p:sp>
+      <p:sp>
+        <p:nvSpPr>
+          <p:cNvPr id="34" name="Rectangle 33"/>
+          <p:cNvSpPr/>
+          <p:nvPr/>
+        </p:nvSpPr>
+        <p:spPr>
+          <a:xfrm>
+            <a:off x="3837723" y="4895735"/>
+            <a:ext cx="288989" cy="149629"/>
+          </a:xfrm>
+          <a:prstGeom prst="rect">
+            <a:avLst/>
+          </a:prstGeom>
+        </p:spPr>
+        <p:style>
+          <a:lnRef idx="2">
+            <a:schemeClr val="accent1">
+              <a:shade val="50000"/>
+            </a:schemeClr>
+          </a:lnRef>
+          <a:fillRef idx="1">
+            <a:schemeClr val="accent1"/>
+          </a:fillRef>
+          <a:effectRef idx="0">
+            <a:schemeClr val="accent1"/>
+          </a:effectRef>
+          <a:fontRef idx="minor">
+            <a:schemeClr val="lt1"/>
+          </a:fontRef>
+        </p:style>
+        <p:txBody>
+          <a:bodyPr rtlCol="0" anchor="ctr"/>
+          <a:lstStyle/>
+          <a:p>
+            <a:pPr algn="ctr"/>
+            <a:endParaRPr lang="fi-FI"/>
+          </a:p>
+        </p:txBody>
+      </p:sp>
+      <p:sp>
+        <p:nvSpPr>
+          <p:cNvPr id="35" name="Rectangle 34"/>
+          <p:cNvSpPr/>
+          <p:nvPr/>
+        </p:nvSpPr>
+        <p:spPr>
+          <a:xfrm>
+            <a:off x="2108140" y="4905254"/>
+            <a:ext cx="288989" cy="149629"/>
+          </a:xfrm>
+          <a:prstGeom prst="rect">
+            <a:avLst/>
+          </a:prstGeom>
+        </p:spPr>
+        <p:style>
+          <a:lnRef idx="2">
+            <a:schemeClr val="accent1">
+              <a:shade val="50000"/>
+            </a:schemeClr>
+          </a:lnRef>
+          <a:fillRef idx="1">
+            <a:schemeClr val="accent1"/>
+          </a:fillRef>
+          <a:effectRef idx="0">
+            <a:schemeClr val="accent1"/>
+          </a:effectRef>
+          <a:fontRef idx="minor">
+            <a:schemeClr val="lt1"/>
+          </a:fontRef>
+        </p:style>
+        <p:txBody>
+          <a:bodyPr rtlCol="0" anchor="ctr"/>
+          <a:lstStyle/>
+          <a:p>
+            <a:pPr algn="ctr"/>
+            <a:endParaRPr lang="fi-FI"/>
+          </a:p>
+        </p:txBody>
+      </p:sp>
+      <p:sp>
+        <p:nvSpPr>
+          <p:cNvPr id="36" name="Rectangle 35"/>
+          <p:cNvSpPr/>
+          <p:nvPr/>
+        </p:nvSpPr>
+        <p:spPr>
+          <a:xfrm>
+            <a:off x="2458150" y="4895736"/>
+            <a:ext cx="288989" cy="149629"/>
+          </a:xfrm>
+          <a:prstGeom prst="rect">
+            <a:avLst/>
+          </a:prstGeom>
+        </p:spPr>
+        <p:style>
+          <a:lnRef idx="2">
+            <a:schemeClr val="accent1">
+              <a:shade val="50000"/>
+            </a:schemeClr>
+          </a:lnRef>
+          <a:fillRef idx="1">
+            <a:schemeClr val="accent1"/>
+          </a:fillRef>
+          <a:effectRef idx="0">
+            <a:schemeClr val="accent1"/>
+          </a:effectRef>
+          <a:fontRef idx="minor">
+            <a:schemeClr val="lt1"/>
+          </a:fontRef>
+        </p:style>
+        <p:txBody>
+          <a:bodyPr rtlCol="0" anchor="ctr"/>
+          <a:lstStyle/>
+          <a:p>
+            <a:pPr algn="ctr"/>
+            <a:endParaRPr lang="fi-FI"/>
+          </a:p>
+        </p:txBody>
+      </p:sp>
+      <p:sp>
+        <p:nvSpPr>
+          <p:cNvPr id="37" name="Rectangle 36"/>
+          <p:cNvSpPr/>
+          <p:nvPr/>
+        </p:nvSpPr>
+        <p:spPr>
+          <a:xfrm>
+            <a:off x="2788608" y="4895736"/>
+            <a:ext cx="288989" cy="149629"/>
+          </a:xfrm>
+          <a:prstGeom prst="rect">
+            <a:avLst/>
+          </a:prstGeom>
+        </p:spPr>
+        <p:style>
+          <a:lnRef idx="2">
+            <a:schemeClr val="accent1">
+              <a:shade val="50000"/>
+            </a:schemeClr>
+          </a:lnRef>
+          <a:fillRef idx="1">
+            <a:schemeClr val="accent1"/>
+          </a:fillRef>
+          <a:effectRef idx="0">
+            <a:schemeClr val="accent1"/>
+          </a:effectRef>
+          <a:fontRef idx="minor">
+            <a:schemeClr val="lt1"/>
+          </a:fontRef>
+        </p:style>
+        <p:txBody>
+          <a:bodyPr rtlCol="0" anchor="ctr"/>
+          <a:lstStyle/>
+          <a:p>
+            <a:pPr algn="ctr"/>
+            <a:endParaRPr lang="fi-FI"/>
+          </a:p>
+        </p:txBody>
+      </p:sp>
+      <p:sp>
+        <p:nvSpPr>
+          <p:cNvPr id="38" name="Rectangle 37"/>
+          <p:cNvSpPr/>
+          <p:nvPr/>
+        </p:nvSpPr>
+        <p:spPr>
+          <a:xfrm>
+            <a:off x="3145181" y="4895736"/>
+            <a:ext cx="288989" cy="149629"/>
+          </a:xfrm>
+          <a:prstGeom prst="rect">
+            <a:avLst/>
+          </a:prstGeom>
+        </p:spPr>
+        <p:style>
+          <a:lnRef idx="2">
+            <a:schemeClr val="accent1">
+              <a:shade val="50000"/>
+            </a:schemeClr>
+          </a:lnRef>
+          <a:fillRef idx="1">
+            <a:schemeClr val="accent1"/>
+          </a:fillRef>
+          <a:effectRef idx="0">
+            <a:schemeClr val="accent1"/>
+          </a:effectRef>
+          <a:fontRef idx="minor">
+            <a:schemeClr val="lt1"/>
+          </a:fontRef>
+        </p:style>
+        <p:txBody>
+          <a:bodyPr rtlCol="0" anchor="ctr"/>
+          <a:lstStyle/>
+          <a:p>
+            <a:pPr algn="ctr"/>
+            <a:endParaRPr lang="fi-FI"/>
+          </a:p>
+        </p:txBody>
+      </p:sp>
+      <p:sp>
+        <p:nvSpPr>
+          <p:cNvPr id="39" name="Rectangle 38"/>
+          <p:cNvSpPr/>
+          <p:nvPr/>
+        </p:nvSpPr>
+        <p:spPr>
+          <a:xfrm>
+            <a:off x="3501754" y="4895736"/>
+            <a:ext cx="288989" cy="149629"/>
+          </a:xfrm>
+          <a:prstGeom prst="rect">
+            <a:avLst/>
+          </a:prstGeom>
+        </p:spPr>
+        <p:style>
+          <a:lnRef idx="2">
+            <a:schemeClr val="accent1">
+              <a:shade val="50000"/>
+            </a:schemeClr>
+          </a:lnRef>
+          <a:fillRef idx="1">
+            <a:schemeClr val="accent1"/>
+          </a:fillRef>
+          <a:effectRef idx="0">
+            <a:schemeClr val="accent1"/>
+          </a:effectRef>
+          <a:fontRef idx="minor">
+            <a:schemeClr val="lt1"/>
+          </a:fontRef>
+        </p:style>
+        <p:txBody>
+          <a:bodyPr rtlCol="0" anchor="ctr"/>
+          <a:lstStyle/>
+          <a:p>
+            <a:pPr algn="ctr"/>
+            <a:endParaRPr lang="fi-FI"/>
+          </a:p>
+        </p:txBody>
+      </p:sp>
+      <p:sp>
+        <p:nvSpPr>
+          <p:cNvPr id="49" name="Rectangle 48"/>
+          <p:cNvSpPr/>
+          <p:nvPr/>
+        </p:nvSpPr>
+        <p:spPr>
+          <a:xfrm>
+            <a:off x="4392326" y="4645710"/>
+            <a:ext cx="288989" cy="149629"/>
+          </a:xfrm>
+          <a:prstGeom prst="rect">
+            <a:avLst/>
+          </a:prstGeom>
+        </p:spPr>
+        <p:style>
+          <a:lnRef idx="2">
+            <a:schemeClr val="accent1">
+              <a:shade val="50000"/>
+            </a:schemeClr>
+          </a:lnRef>
+          <a:fillRef idx="1">
+            <a:schemeClr val="accent1"/>
+          </a:fillRef>
+          <a:effectRef idx="0">
+            <a:schemeClr val="accent1"/>
+          </a:effectRef>
+          <a:fontRef idx="minor">
+            <a:schemeClr val="lt1"/>
+          </a:fontRef>
+        </p:style>
+        <p:txBody>
+          <a:bodyPr rtlCol="0" anchor="ctr"/>
+          <a:lstStyle/>
+          <a:p>
+            <a:pPr algn="ctr"/>
+            <a:endParaRPr lang="fi-FI"/>
+          </a:p>
+        </p:txBody>
+      </p:sp>
+      <p:sp>
+        <p:nvSpPr>
+          <p:cNvPr id="50" name="Rectangle 49"/>
+          <p:cNvSpPr/>
+          <p:nvPr/>
+        </p:nvSpPr>
+        <p:spPr>
+          <a:xfrm>
+            <a:off x="4735781" y="4645709"/>
+            <a:ext cx="288989" cy="149629"/>
+          </a:xfrm>
+          <a:prstGeom prst="rect">
+            <a:avLst/>
+          </a:prstGeom>
+        </p:spPr>
+        <p:style>
+          <a:lnRef idx="2">
+            <a:schemeClr val="accent1">
+              <a:shade val="50000"/>
+            </a:schemeClr>
+          </a:lnRef>
+          <a:fillRef idx="1">
+            <a:schemeClr val="accent1"/>
+          </a:fillRef>
+          <a:effectRef idx="0">
+            <a:schemeClr val="accent1"/>
+          </a:effectRef>
+          <a:fontRef idx="minor">
+            <a:schemeClr val="lt1"/>
+          </a:fontRef>
+        </p:style>
+        <p:txBody>
+          <a:bodyPr rtlCol="0" anchor="ctr"/>
+          <a:lstStyle/>
+          <a:p>
+            <a:pPr algn="ctr"/>
+            <a:endParaRPr lang="fi-FI"/>
+          </a:p>
+        </p:txBody>
+      </p:sp>
+      <p:sp>
+        <p:nvSpPr>
+          <p:cNvPr id="51" name="Rectangle 50"/>
+          <p:cNvSpPr/>
+          <p:nvPr/>
+        </p:nvSpPr>
+        <p:spPr>
+          <a:xfrm>
+            <a:off x="5077509" y="4640195"/>
+            <a:ext cx="288989" cy="149629"/>
+          </a:xfrm>
+          <a:prstGeom prst="rect">
+            <a:avLst/>
+          </a:prstGeom>
+        </p:spPr>
+        <p:style>
+          <a:lnRef idx="2">
+            <a:schemeClr val="accent1">
+              <a:shade val="50000"/>
+            </a:schemeClr>
+          </a:lnRef>
+          <a:fillRef idx="1">
+            <a:schemeClr val="accent1"/>
+          </a:fillRef>
+          <a:effectRef idx="0">
+            <a:schemeClr val="accent1"/>
+          </a:effectRef>
+          <a:fontRef idx="minor">
+            <a:schemeClr val="lt1"/>
+          </a:fontRef>
+        </p:style>
+        <p:txBody>
+          <a:bodyPr rtlCol="0" anchor="ctr"/>
+          <a:lstStyle/>
+          <a:p>
+            <a:pPr algn="ctr"/>
+            <a:endParaRPr lang="fi-FI"/>
+          </a:p>
+        </p:txBody>
+      </p:sp>
+      <p:sp>
+        <p:nvSpPr>
+          <p:cNvPr id="52" name="Rectangle 51"/>
+          <p:cNvSpPr/>
+          <p:nvPr/>
+        </p:nvSpPr>
+        <p:spPr>
+          <a:xfrm>
+            <a:off x="5425567" y="4645660"/>
+            <a:ext cx="288989" cy="149629"/>
+          </a:xfrm>
+          <a:prstGeom prst="rect">
+            <a:avLst/>
+          </a:prstGeom>
+        </p:spPr>
+        <p:style>
+          <a:lnRef idx="2">
+            <a:schemeClr val="accent1">
+              <a:shade val="50000"/>
+            </a:schemeClr>
+          </a:lnRef>
+          <a:fillRef idx="1">
+            <a:schemeClr val="accent1"/>
+          </a:fillRef>
+          <a:effectRef idx="0">
+            <a:schemeClr val="accent1"/>
+          </a:effectRef>
+          <a:fontRef idx="minor">
+            <a:schemeClr val="lt1"/>
+          </a:fontRef>
+        </p:style>
+        <p:txBody>
+          <a:bodyPr rtlCol="0" anchor="ctr"/>
+          <a:lstStyle/>
+          <a:p>
+            <a:pPr algn="ctr"/>
+            <a:endParaRPr lang="fi-FI"/>
+          </a:p>
+        </p:txBody>
+      </p:sp>
+      <p:sp>
+        <p:nvSpPr>
+          <p:cNvPr id="53" name="Rectangle 52"/>
+          <p:cNvSpPr/>
+          <p:nvPr/>
+        </p:nvSpPr>
+        <p:spPr>
+          <a:xfrm>
+            <a:off x="5779384" y="4645660"/>
+            <a:ext cx="288989" cy="149629"/>
+          </a:xfrm>
+          <a:prstGeom prst="rect">
+            <a:avLst/>
+          </a:prstGeom>
+        </p:spPr>
+        <p:style>
+          <a:lnRef idx="2">
+            <a:schemeClr val="accent1">
+              <a:shade val="50000"/>
+            </a:schemeClr>
+          </a:lnRef>
+          <a:fillRef idx="1">
+            <a:schemeClr val="accent1"/>
+          </a:fillRef>
+          <a:effectRef idx="0">
+            <a:schemeClr val="accent1"/>
+          </a:effectRef>
+          <a:fontRef idx="minor">
+            <a:schemeClr val="lt1"/>
+          </a:fontRef>
+        </p:style>
+        <p:txBody>
+          <a:bodyPr rtlCol="0" anchor="ctr"/>
+          <a:lstStyle/>
+          <a:p>
+            <a:pPr algn="ctr"/>
+            <a:endParaRPr lang="fi-FI"/>
+          </a:p>
+        </p:txBody>
+      </p:sp>
+      <p:sp>
+        <p:nvSpPr>
+          <p:cNvPr id="54" name="Rectangle 53"/>
+          <p:cNvSpPr/>
+          <p:nvPr/>
+        </p:nvSpPr>
+        <p:spPr>
+          <a:xfrm>
+            <a:off x="6115353" y="4655347"/>
+            <a:ext cx="288989" cy="149629"/>
+          </a:xfrm>
+          <a:prstGeom prst="rect">
+            <a:avLst/>
+          </a:prstGeom>
+        </p:spPr>
+        <p:style>
+          <a:lnRef idx="2">
+            <a:schemeClr val="accent1">
+              <a:shade val="50000"/>
+            </a:schemeClr>
+          </a:lnRef>
+          <a:fillRef idx="1">
+            <a:schemeClr val="accent1"/>
+          </a:fillRef>
+          <a:effectRef idx="0">
+            <a:schemeClr val="accent1"/>
+          </a:effectRef>
+          <a:fontRef idx="minor">
+            <a:schemeClr val="lt1"/>
+          </a:fontRef>
+        </p:style>
+        <p:txBody>
+          <a:bodyPr rtlCol="0" anchor="ctr"/>
+          <a:lstStyle/>
+          <a:p>
+            <a:pPr algn="ctr"/>
+            <a:endParaRPr lang="fi-FI"/>
+          </a:p>
+        </p:txBody>
+      </p:sp>
+      <p:sp>
+        <p:nvSpPr>
+          <p:cNvPr id="55" name="Rectangle 54"/>
+          <p:cNvSpPr/>
+          <p:nvPr/>
+        </p:nvSpPr>
+        <p:spPr>
+          <a:xfrm>
+            <a:off x="6115353" y="4895735"/>
+            <a:ext cx="288989" cy="149629"/>
+          </a:xfrm>
+          <a:prstGeom prst="rect">
+            <a:avLst/>
+          </a:prstGeom>
+        </p:spPr>
+        <p:style>
+          <a:lnRef idx="2">
+            <a:schemeClr val="accent1">
+              <a:shade val="50000"/>
+            </a:schemeClr>
+          </a:lnRef>
+          <a:fillRef idx="1">
+            <a:schemeClr val="accent1"/>
+          </a:fillRef>
+          <a:effectRef idx="0">
+            <a:schemeClr val="accent1"/>
+          </a:effectRef>
+          <a:fontRef idx="minor">
+            <a:schemeClr val="lt1"/>
+          </a:fontRef>
+        </p:style>
+        <p:txBody>
+          <a:bodyPr rtlCol="0" anchor="ctr"/>
+          <a:lstStyle/>
+          <a:p>
+            <a:pPr algn="ctr"/>
+            <a:endParaRPr lang="fi-FI"/>
+          </a:p>
+        </p:txBody>
+      </p:sp>
+      <p:sp>
+        <p:nvSpPr>
+          <p:cNvPr id="56" name="Rectangle 55"/>
+          <p:cNvSpPr/>
+          <p:nvPr/>
+        </p:nvSpPr>
+        <p:spPr>
+          <a:xfrm>
+            <a:off x="4385770" y="4905254"/>
+            <a:ext cx="288989" cy="149629"/>
+          </a:xfrm>
+          <a:prstGeom prst="rect">
+            <a:avLst/>
+          </a:prstGeom>
+        </p:spPr>
+        <p:style>
+          <a:lnRef idx="2">
+            <a:schemeClr val="accent1">
+              <a:shade val="50000"/>
+            </a:schemeClr>
+          </a:lnRef>
+          <a:fillRef idx="1">
+            <a:schemeClr val="accent1"/>
+          </a:fillRef>
+          <a:effectRef idx="0">
+            <a:schemeClr val="accent1"/>
+          </a:effectRef>
+          <a:fontRef idx="minor">
+            <a:schemeClr val="lt1"/>
+          </a:fontRef>
+        </p:style>
+        <p:txBody>
+          <a:bodyPr rtlCol="0" anchor="ctr"/>
+          <a:lstStyle/>
+          <a:p>
+            <a:pPr algn="ctr"/>
+            <a:endParaRPr lang="fi-FI"/>
+          </a:p>
+        </p:txBody>
+      </p:sp>
+      <p:sp>
+        <p:nvSpPr>
+          <p:cNvPr id="57" name="Rectangle 56"/>
+          <p:cNvSpPr/>
+          <p:nvPr/>
+        </p:nvSpPr>
+        <p:spPr>
+          <a:xfrm>
+            <a:off x="4735780" y="4895736"/>
+            <a:ext cx="288989" cy="149629"/>
+          </a:xfrm>
+          <a:prstGeom prst="rect">
+            <a:avLst/>
+          </a:prstGeom>
+        </p:spPr>
+        <p:style>
+          <a:lnRef idx="2">
+            <a:schemeClr val="accent1">
+              <a:shade val="50000"/>
+            </a:schemeClr>
+          </a:lnRef>
+          <a:fillRef idx="1">
+            <a:schemeClr val="accent1"/>
+          </a:fillRef>
+          <a:effectRef idx="0">
+            <a:schemeClr val="accent1"/>
+          </a:effectRef>
+          <a:fontRef idx="minor">
+            <a:schemeClr val="lt1"/>
+          </a:fontRef>
+        </p:style>
+        <p:txBody>
+          <a:bodyPr rtlCol="0" anchor="ctr"/>
+          <a:lstStyle/>
+          <a:p>
+            <a:pPr algn="ctr"/>
+            <a:endParaRPr lang="fi-FI"/>
+          </a:p>
+        </p:txBody>
+      </p:sp>
+      <p:sp>
+        <p:nvSpPr>
+          <p:cNvPr id="58" name="Rectangle 57"/>
+          <p:cNvSpPr/>
+          <p:nvPr/>
+        </p:nvSpPr>
+        <p:spPr>
+          <a:xfrm>
+            <a:off x="5066238" y="4895736"/>
+            <a:ext cx="288989" cy="149629"/>
+          </a:xfrm>
+          <a:prstGeom prst="rect">
+            <a:avLst/>
+          </a:prstGeom>
+        </p:spPr>
+        <p:style>
+          <a:lnRef idx="2">
+            <a:schemeClr val="accent1">
+              <a:shade val="50000"/>
+            </a:schemeClr>
+          </a:lnRef>
+          <a:fillRef idx="1">
+            <a:schemeClr val="accent1"/>
+          </a:fillRef>
+          <a:effectRef idx="0">
+            <a:schemeClr val="accent1"/>
+          </a:effectRef>
+          <a:fontRef idx="minor">
+            <a:schemeClr val="lt1"/>
+          </a:fontRef>
+        </p:style>
+        <p:txBody>
+          <a:bodyPr rtlCol="0" anchor="ctr"/>
+          <a:lstStyle/>
+          <a:p>
+            <a:pPr algn="ctr"/>
+            <a:endParaRPr lang="fi-FI"/>
+          </a:p>
+        </p:txBody>
+      </p:sp>
+      <p:sp>
+        <p:nvSpPr>
+          <p:cNvPr id="59" name="Rectangle 58"/>
+          <p:cNvSpPr/>
+          <p:nvPr/>
+        </p:nvSpPr>
+        <p:spPr>
+          <a:xfrm>
+            <a:off x="5422811" y="4895736"/>
+            <a:ext cx="288989" cy="149629"/>
+          </a:xfrm>
+          <a:prstGeom prst="rect">
+            <a:avLst/>
+          </a:prstGeom>
+        </p:spPr>
+        <p:style>
+          <a:lnRef idx="2">
+            <a:schemeClr val="accent1">
+              <a:shade val="50000"/>
+            </a:schemeClr>
+          </a:lnRef>
+          <a:fillRef idx="1">
+            <a:schemeClr val="accent1"/>
+          </a:fillRef>
+          <a:effectRef idx="0">
+            <a:schemeClr val="accent1"/>
+          </a:effectRef>
+          <a:fontRef idx="minor">
+            <a:schemeClr val="lt1"/>
+          </a:fontRef>
+        </p:style>
+        <p:txBody>
+          <a:bodyPr rtlCol="0" anchor="ctr"/>
+          <a:lstStyle/>
+          <a:p>
+            <a:pPr algn="ctr"/>
+            <a:endParaRPr lang="fi-FI"/>
+          </a:p>
+        </p:txBody>
+      </p:sp>
+      <p:sp>
+        <p:nvSpPr>
+          <p:cNvPr id="60" name="Rectangle 59"/>
+          <p:cNvSpPr/>
+          <p:nvPr/>
+        </p:nvSpPr>
+        <p:spPr>
+          <a:xfrm>
+            <a:off x="5779384" y="4895736"/>
+            <a:ext cx="288989" cy="149629"/>
+          </a:xfrm>
+          <a:prstGeom prst="rect">
+            <a:avLst/>
+          </a:prstGeom>
+        </p:spPr>
+        <p:style>
+          <a:lnRef idx="2">
+            <a:schemeClr val="accent1">
+              <a:shade val="50000"/>
+            </a:schemeClr>
+          </a:lnRef>
+          <a:fillRef idx="1">
+            <a:schemeClr val="accent1"/>
+          </a:fillRef>
+          <a:effectRef idx="0">
+            <a:schemeClr val="accent1"/>
+          </a:effectRef>
+          <a:fontRef idx="minor">
+            <a:schemeClr val="lt1"/>
+          </a:fontRef>
+        </p:style>
+        <p:txBody>
+          <a:bodyPr rtlCol="0" anchor="ctr"/>
+          <a:lstStyle/>
+          <a:p>
+            <a:pPr algn="ctr"/>
+            <a:endParaRPr lang="fi-FI"/>
+          </a:p>
+        </p:txBody>
+      </p:sp>
+      <p:sp>
+        <p:nvSpPr>
+          <p:cNvPr id="61" name="Rectangle 60"/>
+          <p:cNvSpPr/>
+          <p:nvPr/>
+        </p:nvSpPr>
+        <p:spPr>
+          <a:xfrm>
+            <a:off x="4392326" y="4113075"/>
+            <a:ext cx="288989" cy="149629"/>
+          </a:xfrm>
+          <a:prstGeom prst="rect">
+            <a:avLst/>
+          </a:prstGeom>
+        </p:spPr>
+        <p:style>
+          <a:lnRef idx="2">
+            <a:schemeClr val="accent1">
+              <a:shade val="50000"/>
+            </a:schemeClr>
+          </a:lnRef>
+          <a:fillRef idx="1">
+            <a:schemeClr val="accent1"/>
+          </a:fillRef>
+          <a:effectRef idx="0">
+            <a:schemeClr val="accent1"/>
+          </a:effectRef>
+          <a:fontRef idx="minor">
+            <a:schemeClr val="lt1"/>
+          </a:fontRef>
+        </p:style>
+        <p:txBody>
+          <a:bodyPr rtlCol="0" anchor="ctr"/>
+          <a:lstStyle/>
+          <a:p>
+            <a:pPr algn="ctr"/>
+            <a:endParaRPr lang="fi-FI"/>
+          </a:p>
+        </p:txBody>
+      </p:sp>
+      <p:sp>
+        <p:nvSpPr>
+          <p:cNvPr id="62" name="Rectangle 61"/>
+          <p:cNvSpPr/>
+          <p:nvPr/>
+        </p:nvSpPr>
+        <p:spPr>
+          <a:xfrm>
+            <a:off x="4735781" y="4113074"/>
+            <a:ext cx="288989" cy="149629"/>
+          </a:xfrm>
+          <a:prstGeom prst="rect">
+            <a:avLst/>
+          </a:prstGeom>
+        </p:spPr>
+        <p:style>
+          <a:lnRef idx="2">
+            <a:schemeClr val="accent1">
+              <a:shade val="50000"/>
+            </a:schemeClr>
+          </a:lnRef>
+          <a:fillRef idx="1">
+            <a:schemeClr val="accent1"/>
+          </a:fillRef>
+          <a:effectRef idx="0">
+            <a:schemeClr val="accent1"/>
+          </a:effectRef>
+          <a:fontRef idx="minor">
+            <a:schemeClr val="lt1"/>
+          </a:fontRef>
+        </p:style>
+        <p:txBody>
+          <a:bodyPr rtlCol="0" anchor="ctr"/>
+          <a:lstStyle/>
+          <a:p>
+            <a:pPr algn="ctr"/>
+            <a:endParaRPr lang="fi-FI"/>
+          </a:p>
+        </p:txBody>
+      </p:sp>
+      <p:sp>
+        <p:nvSpPr>
+          <p:cNvPr id="63" name="Rectangle 62"/>
+          <p:cNvSpPr/>
+          <p:nvPr/>
+        </p:nvSpPr>
+        <p:spPr>
+          <a:xfrm>
+            <a:off x="5077509" y="4107560"/>
+            <a:ext cx="288989" cy="149629"/>
+          </a:xfrm>
+          <a:prstGeom prst="rect">
+            <a:avLst/>
+          </a:prstGeom>
+        </p:spPr>
+        <p:style>
+          <a:lnRef idx="2">
+            <a:schemeClr val="accent1">
+              <a:shade val="50000"/>
+            </a:schemeClr>
+          </a:lnRef>
+          <a:fillRef idx="1">
+            <a:schemeClr val="accent1"/>
+          </a:fillRef>
+          <a:effectRef idx="0">
+            <a:schemeClr val="accent1"/>
+          </a:effectRef>
+          <a:fontRef idx="minor">
+            <a:schemeClr val="lt1"/>
+          </a:fontRef>
+        </p:style>
+        <p:txBody>
+          <a:bodyPr rtlCol="0" anchor="ctr"/>
+          <a:lstStyle/>
+          <a:p>
+            <a:pPr algn="ctr"/>
+            <a:endParaRPr lang="fi-FI"/>
+          </a:p>
+        </p:txBody>
+      </p:sp>
+      <p:sp>
+        <p:nvSpPr>
+          <p:cNvPr id="64" name="Rectangle 63"/>
+          <p:cNvSpPr/>
+          <p:nvPr/>
+        </p:nvSpPr>
+        <p:spPr>
+          <a:xfrm>
+            <a:off x="5425567" y="4113025"/>
+            <a:ext cx="288989" cy="149629"/>
+          </a:xfrm>
+          <a:prstGeom prst="rect">
+            <a:avLst/>
+          </a:prstGeom>
+        </p:spPr>
+        <p:style>
+          <a:lnRef idx="2">
+            <a:schemeClr val="accent1">
+              <a:shade val="50000"/>
+            </a:schemeClr>
+          </a:lnRef>
+          <a:fillRef idx="1">
+            <a:schemeClr val="accent1"/>
+          </a:fillRef>
+          <a:effectRef idx="0">
+            <a:schemeClr val="accent1"/>
+          </a:effectRef>
+          <a:fontRef idx="minor">
+            <a:schemeClr val="lt1"/>
+          </a:fontRef>
+        </p:style>
+        <p:txBody>
+          <a:bodyPr rtlCol="0" anchor="ctr"/>
+          <a:lstStyle/>
+          <a:p>
+            <a:pPr algn="ctr"/>
+            <a:endParaRPr lang="fi-FI"/>
+          </a:p>
+        </p:txBody>
+      </p:sp>
+      <p:sp>
+        <p:nvSpPr>
+          <p:cNvPr id="65" name="Rectangle 64"/>
+          <p:cNvSpPr/>
+          <p:nvPr/>
+        </p:nvSpPr>
+        <p:spPr>
+          <a:xfrm>
+            <a:off x="5779384" y="4113025"/>
+            <a:ext cx="288989" cy="149629"/>
+          </a:xfrm>
+          <a:prstGeom prst="rect">
+            <a:avLst/>
+          </a:prstGeom>
+        </p:spPr>
+        <p:style>
+          <a:lnRef idx="2">
+            <a:schemeClr val="accent1">
+              <a:shade val="50000"/>
+            </a:schemeClr>
+          </a:lnRef>
+          <a:fillRef idx="1">
+            <a:schemeClr val="accent1"/>
+          </a:fillRef>
+          <a:effectRef idx="0">
+            <a:schemeClr val="accent1"/>
+          </a:effectRef>
+          <a:fontRef idx="minor">
+            <a:schemeClr val="lt1"/>
+          </a:fontRef>
+        </p:style>
+        <p:txBody>
+          <a:bodyPr rtlCol="0" anchor="ctr"/>
+          <a:lstStyle/>
+          <a:p>
+            <a:pPr algn="ctr"/>
+            <a:endParaRPr lang="fi-FI"/>
+          </a:p>
+        </p:txBody>
+      </p:sp>
+      <p:sp>
+        <p:nvSpPr>
+          <p:cNvPr id="66" name="Rectangle 65"/>
+          <p:cNvSpPr/>
+          <p:nvPr/>
+        </p:nvSpPr>
+        <p:spPr>
+          <a:xfrm>
+            <a:off x="6115353" y="4122712"/>
+            <a:ext cx="288989" cy="149629"/>
+          </a:xfrm>
+          <a:prstGeom prst="rect">
+            <a:avLst/>
+          </a:prstGeom>
+        </p:spPr>
+        <p:style>
+          <a:lnRef idx="2">
+            <a:schemeClr val="accent1">
+              <a:shade val="50000"/>
+            </a:schemeClr>
+          </a:lnRef>
+          <a:fillRef idx="1">
+            <a:schemeClr val="accent1"/>
+          </a:fillRef>
+          <a:effectRef idx="0">
+            <a:schemeClr val="accent1"/>
+          </a:effectRef>
+          <a:fontRef idx="minor">
+            <a:schemeClr val="lt1"/>
+          </a:fontRef>
+        </p:style>
+        <p:txBody>
+          <a:bodyPr rtlCol="0" anchor="ctr"/>
+          <a:lstStyle/>
+          <a:p>
+            <a:pPr algn="ctr"/>
+            <a:endParaRPr lang="fi-FI"/>
+          </a:p>
+        </p:txBody>
+      </p:sp>
+      <p:sp>
+        <p:nvSpPr>
+          <p:cNvPr id="67" name="Rectangle 66"/>
+          <p:cNvSpPr/>
+          <p:nvPr/>
+        </p:nvSpPr>
+        <p:spPr>
+          <a:xfrm>
+            <a:off x="6115353" y="4363100"/>
+            <a:ext cx="288989" cy="149629"/>
+          </a:xfrm>
+          <a:prstGeom prst="rect">
+            <a:avLst/>
+          </a:prstGeom>
+        </p:spPr>
+        <p:style>
+          <a:lnRef idx="2">
+            <a:schemeClr val="accent1">
+              <a:shade val="50000"/>
+            </a:schemeClr>
+          </a:lnRef>
+          <a:fillRef idx="1">
+            <a:schemeClr val="accent1"/>
+          </a:fillRef>
+          <a:effectRef idx="0">
+            <a:schemeClr val="accent1"/>
+          </a:effectRef>
+          <a:fontRef idx="minor">
+            <a:schemeClr val="lt1"/>
+          </a:fontRef>
+        </p:style>
+        <p:txBody>
+          <a:bodyPr rtlCol="0" anchor="ctr"/>
+          <a:lstStyle/>
+          <a:p>
+            <a:pPr algn="ctr"/>
+            <a:endParaRPr lang="fi-FI"/>
+          </a:p>
+        </p:txBody>
+      </p:sp>
+      <p:sp>
+        <p:nvSpPr>
+          <p:cNvPr id="68" name="Rectangle 67"/>
+          <p:cNvSpPr/>
+          <p:nvPr/>
+        </p:nvSpPr>
+        <p:spPr>
+          <a:xfrm>
+            <a:off x="4385770" y="4372619"/>
+            <a:ext cx="288989" cy="149629"/>
+          </a:xfrm>
+          <a:prstGeom prst="rect">
+            <a:avLst/>
+          </a:prstGeom>
+        </p:spPr>
+        <p:style>
+          <a:lnRef idx="2">
+            <a:schemeClr val="accent1">
+              <a:shade val="50000"/>
+            </a:schemeClr>
+          </a:lnRef>
+          <a:fillRef idx="1">
+            <a:schemeClr val="accent1"/>
+          </a:fillRef>
+          <a:effectRef idx="0">
+            <a:schemeClr val="accent1"/>
+          </a:effectRef>
+          <a:fontRef idx="minor">
+            <a:schemeClr val="lt1"/>
+          </a:fontRef>
+        </p:style>
+        <p:txBody>
+          <a:bodyPr rtlCol="0" anchor="ctr"/>
+          <a:lstStyle/>
+          <a:p>
+            <a:pPr algn="ctr"/>
+            <a:endParaRPr lang="fi-FI"/>
+          </a:p>
+        </p:txBody>
+      </p:sp>
+      <p:sp>
+        <p:nvSpPr>
+          <p:cNvPr id="69" name="Rectangle 68"/>
+          <p:cNvSpPr/>
+          <p:nvPr/>
+        </p:nvSpPr>
+        <p:spPr>
+          <a:xfrm>
+            <a:off x="4735780" y="4363101"/>
+            <a:ext cx="288989" cy="149629"/>
+          </a:xfrm>
+          <a:prstGeom prst="rect">
+            <a:avLst/>
+          </a:prstGeom>
+        </p:spPr>
+        <p:style>
+          <a:lnRef idx="2">
+            <a:schemeClr val="accent1">
+              <a:shade val="50000"/>
+            </a:schemeClr>
+          </a:lnRef>
+          <a:fillRef idx="1">
+            <a:schemeClr val="accent1"/>
+          </a:fillRef>
+          <a:effectRef idx="0">
+            <a:schemeClr val="accent1"/>
+          </a:effectRef>
+          <a:fontRef idx="minor">
+            <a:schemeClr val="lt1"/>
+          </a:fontRef>
+        </p:style>
+        <p:txBody>
+          <a:bodyPr rtlCol="0" anchor="ctr"/>
+          <a:lstStyle/>
+          <a:p>
+            <a:pPr algn="ctr"/>
+            <a:endParaRPr lang="fi-FI"/>
+          </a:p>
+        </p:txBody>
+      </p:sp>
+      <p:sp>
+        <p:nvSpPr>
+          <p:cNvPr id="70" name="Rectangle 69"/>
+          <p:cNvSpPr/>
+          <p:nvPr/>
+        </p:nvSpPr>
+        <p:spPr>
+          <a:xfrm>
+            <a:off x="5066238" y="4363101"/>
+            <a:ext cx="288989" cy="149629"/>
+          </a:xfrm>
+          <a:prstGeom prst="rect">
+            <a:avLst/>
+          </a:prstGeom>
+        </p:spPr>
+        <p:style>
+          <a:lnRef idx="2">
+            <a:schemeClr val="accent1">
+              <a:shade val="50000"/>
+            </a:schemeClr>
+          </a:lnRef>
+          <a:fillRef idx="1">
+            <a:schemeClr val="accent1"/>
+          </a:fillRef>
+          <a:effectRef idx="0">
+            <a:schemeClr val="accent1"/>
+          </a:effectRef>
+          <a:fontRef idx="minor">
+            <a:schemeClr val="lt1"/>
+          </a:fontRef>
+        </p:style>
+        <p:txBody>
+          <a:bodyPr rtlCol="0" anchor="ctr"/>
+          <a:lstStyle/>
+          <a:p>
+            <a:pPr algn="ctr"/>
+            <a:endParaRPr lang="fi-FI"/>
+          </a:p>
+        </p:txBody>
+      </p:sp>
+      <p:sp>
+        <p:nvSpPr>
+          <p:cNvPr id="71" name="Rectangle 70"/>
+          <p:cNvSpPr/>
+          <p:nvPr/>
+        </p:nvSpPr>
+        <p:spPr>
+          <a:xfrm>
+            <a:off x="5422811" y="4363101"/>
+            <a:ext cx="288989" cy="149629"/>
+          </a:xfrm>
+          <a:prstGeom prst="rect">
+            <a:avLst/>
+          </a:prstGeom>
+        </p:spPr>
+        <p:style>
+          <a:lnRef idx="2">
+            <a:schemeClr val="accent1">
+              <a:shade val="50000"/>
+            </a:schemeClr>
+          </a:lnRef>
+          <a:fillRef idx="1">
+            <a:schemeClr val="accent1"/>
+          </a:fillRef>
+          <a:effectRef idx="0">
+            <a:schemeClr val="accent1"/>
+          </a:effectRef>
+          <a:fontRef idx="minor">
+            <a:schemeClr val="lt1"/>
+          </a:fontRef>
+        </p:style>
+        <p:txBody>
+          <a:bodyPr rtlCol="0" anchor="ctr"/>
+          <a:lstStyle/>
+          <a:p>
+            <a:pPr algn="ctr"/>
+            <a:endParaRPr lang="fi-FI"/>
+          </a:p>
+        </p:txBody>
+      </p:sp>
+      <p:sp>
+        <p:nvSpPr>
+          <p:cNvPr id="72" name="Rectangle 71"/>
+          <p:cNvSpPr/>
+          <p:nvPr/>
+        </p:nvSpPr>
+        <p:spPr>
+          <a:xfrm>
+            <a:off x="5779384" y="4363101"/>
+            <a:ext cx="288989" cy="149629"/>
+          </a:xfrm>
+          <a:prstGeom prst="rect">
+            <a:avLst/>
+          </a:prstGeom>
+        </p:spPr>
+        <p:style>
+          <a:lnRef idx="2">
+            <a:schemeClr val="accent1">
+              <a:shade val="50000"/>
+            </a:schemeClr>
+          </a:lnRef>
+          <a:fillRef idx="1">
+            <a:schemeClr val="accent1"/>
+          </a:fillRef>
+          <a:effectRef idx="0">
+            <a:schemeClr val="accent1"/>
+          </a:effectRef>
+          <a:fontRef idx="minor">
+            <a:schemeClr val="lt1"/>
+          </a:fontRef>
+        </p:style>
+        <p:txBody>
+          <a:bodyPr rtlCol="0" anchor="ctr"/>
+          <a:lstStyle/>
+          <a:p>
+            <a:pPr algn="ctr"/>
+            <a:endParaRPr lang="fi-FI"/>
           </a:p>
         </p:txBody>
       </p:sp>
